--- a/phonebook2_설계도.pptx
+++ b/phonebook2_설계도.pptx
@@ -4505,7 +4505,7 @@
         <p:spPr>
           <a:xfrm>
             <a:off x="9276859" y="2887929"/>
-            <a:ext cx="923843" cy="338554"/>
+            <a:ext cx="913776" cy="338554"/>
           </a:xfrm>
           <a:prstGeom prst="rect">
             <a:avLst/>
@@ -4524,7 +4524,7 @@
                   <a:srgbClr val="7030A0"/>
                 </a:solidFill>
               </a:rPr>
-              <a:t>porword</a:t>
+              <a:t>porward</a:t>
             </a:r>
             <a:endParaRPr lang="ko-KR" altLang="en-US" sz="1600" b="1" dirty="0">
               <a:solidFill>
@@ -5481,14 +5481,14 @@
           <a:p>
             <a:pPr algn="ctr"/>
             <a:r>
-              <a:rPr lang="en-US" altLang="ko-KR" sz="1600" b="1" dirty="0" err="1">
+              <a:rPr lang="en-US" altLang="ko-KR" sz="1600" b="1" dirty="0">
                 <a:solidFill>
                   <a:schemeClr val="accent6">
                     <a:lumMod val="75000"/>
                   </a:schemeClr>
                 </a:solidFill>
               </a:rPr>
-              <a:t>forword</a:t>
+              <a:t>forward</a:t>
             </a:r>
             <a:endParaRPr lang="ko-KR" altLang="en-US" sz="1600" b="1" dirty="0">
               <a:solidFill>
@@ -6394,8 +6394,8 @@
         </p:nvSpPr>
         <p:spPr>
           <a:xfrm>
-            <a:off x="8890965" y="6953389"/>
-            <a:ext cx="875881" cy="338554"/>
+            <a:off x="8895999" y="6953389"/>
+            <a:ext cx="865814" cy="338554"/>
           </a:xfrm>
           <a:prstGeom prst="rect">
             <a:avLst/>
@@ -6410,14 +6410,14 @@
           <a:p>
             <a:pPr algn="ctr"/>
             <a:r>
-              <a:rPr lang="en-US" altLang="ko-KR" sz="1600" b="1" dirty="0" err="1">
+              <a:rPr lang="en-US" altLang="ko-KR" sz="1600" b="1" dirty="0">
                 <a:solidFill>
                   <a:schemeClr val="accent2">
                     <a:lumMod val="75000"/>
                   </a:schemeClr>
                 </a:solidFill>
               </a:rPr>
-              <a:t>forword</a:t>
+              <a:t>forward</a:t>
             </a:r>
             <a:endParaRPr lang="ko-KR" altLang="en-US" sz="1600" b="1" dirty="0">
               <a:solidFill>
@@ -6447,7 +6447,7 @@
         <p:spPr bwMode="auto">
           <a:xfrm flipH="1">
             <a:off x="2715579" y="7122666"/>
-            <a:ext cx="6175386" cy="579653"/>
+            <a:ext cx="6180420" cy="579653"/>
           </a:xfrm>
           <a:prstGeom prst="straightConnector1">
             <a:avLst/>
